--- a/2023-06-22-KCDC-TDDForFrontends/TDD with React.pptx
+++ b/2023-06-22-KCDC-TDDForFrontends/TDD with React.pptx
@@ -6801,6 +6801,17 @@
               <a:rPr lang="en-US" dirty="0"/>
               <a:t>TDD does not mean no bugs ever (just less)</a:t>
             </a:r>
+          </a:p>
+          <a:p>
+            <a:r>
+              <a:rPr lang="en-US" dirty="0"/>
+              <a:t>TDD zealots </a:t>
+            </a:r>
+            <a:r>
+              <a:rPr lang="en-US"/>
+              <a:t>are harmful</a:t>
+            </a:r>
+            <a:endParaRPr lang="en-US" dirty="0"/>
           </a:p>
         </p:txBody>
       </p:sp>
@@ -7336,6 +7347,87 @@
                                           <p:spTgt spid="3">
                                             <p:txEl>
                                               <p:pRg st="2" end="2"/>
+                                            </p:txEl>
+                                          </p:spTgt>
+                                        </p:tgtEl>
+                                        <p:attrNameLst>
+                                          <p:attrName>ppt_c</p:attrName>
+                                        </p:attrNameLst>
+                                      </p:cBhvr>
+                                      <p:to>
+                                        <a:srgbClr val="B2B2B2"/>
+                                      </p:to>
+                                    </p:animClr>
+                                  </p:subTnLst>
+                                </p:cTn>
+                              </p:par>
+                            </p:childTnLst>
+                          </p:cTn>
+                        </p:par>
+                      </p:childTnLst>
+                    </p:cTn>
+                  </p:par>
+                  <p:par>
+                    <p:cTn id="18" fill="hold">
+                      <p:stCondLst>
+                        <p:cond delay="indefinite"/>
+                      </p:stCondLst>
+                      <p:childTnLst>
+                        <p:par>
+                          <p:cTn id="19" fill="hold">
+                            <p:stCondLst>
+                              <p:cond delay="0"/>
+                            </p:stCondLst>
+                            <p:childTnLst>
+                              <p:par>
+                                <p:cTn id="20" presetID="10" presetClass="entr" presetSubtype="0" fill="hold" grpId="0" nodeType="clickEffect">
+                                  <p:stCondLst>
+                                    <p:cond delay="0"/>
+                                  </p:stCondLst>
+                                  <p:childTnLst>
+                                    <p:set>
+                                      <p:cBhvr>
+                                        <p:cTn id="21" dur="1" fill="hold">
+                                          <p:stCondLst>
+                                            <p:cond delay="0"/>
+                                          </p:stCondLst>
+                                        </p:cTn>
+                                        <p:tgtEl>
+                                          <p:spTgt spid="3">
+                                            <p:txEl>
+                                              <p:pRg st="3" end="3"/>
+                                            </p:txEl>
+                                          </p:spTgt>
+                                        </p:tgtEl>
+                                        <p:attrNameLst>
+                                          <p:attrName>style.visibility</p:attrName>
+                                        </p:attrNameLst>
+                                      </p:cBhvr>
+                                      <p:to>
+                                        <p:strVal val="visible"/>
+                                      </p:to>
+                                    </p:set>
+                                    <p:animEffect transition="in" filter="fade">
+                                      <p:cBhvr>
+                                        <p:cTn id="22" dur="500"/>
+                                        <p:tgtEl>
+                                          <p:spTgt spid="3">
+                                            <p:txEl>
+                                              <p:pRg st="3" end="3"/>
+                                            </p:txEl>
+                                          </p:spTgt>
+                                        </p:tgtEl>
+                                      </p:cBhvr>
+                                    </p:animEffect>
+                                  </p:childTnLst>
+                                  <p:subTnLst>
+                                    <p:animClr clrSpc="rgb" dir="cw">
+                                      <p:cBhvr override="childStyle">
+                                        <p:cTn dur="1" fill="hold" display="0" masterRel="nextClick" afterEffect="1"/>
+                                        <p:tgtEl>
+                                          <p:spTgt spid="3">
+                                            <p:txEl>
+                                              <p:pRg st="3" end="3"/>
                                             </p:txEl>
                                           </p:spTgt>
                                         </p:tgtEl>
@@ -10925,13 +11017,8 @@
           <a:p>
             <a:r>
               <a:rPr lang="en-US" dirty="0"/>
-              <a:t>Don’t use snapshots… </a:t>
-            </a:r>
-            <a:r>
-              <a:rPr lang="en-US"/>
-              <a:t>(mostly)</a:t>
-            </a:r>
-            <a:endParaRPr lang="en-US" dirty="0"/>
+              <a:t>Don’t use snapshots… (mostly)</a:t>
+            </a:r>
           </a:p>
           <a:p>
             <a:r>
@@ -12491,7 +12578,7 @@
                 <a:ea typeface="Open Sans" panose="020B0606030504020204" pitchFamily="34" charset="0"/>
                 <a:cs typeface="Open Sans" panose="020B0606030504020204" pitchFamily="34" charset="0"/>
               </a:rPr>
-              <a:t>Vaguely familiar with testing</a:t>
+              <a:t>Familiar with testing</a:t>
             </a:r>
           </a:p>
           <a:p>
@@ -12806,282 +12893,6 @@
   <p:clrMapOvr>
     <a:masterClrMapping/>
   </p:clrMapOvr>
-  <p:timing>
-    <p:tnLst>
-      <p:par>
-        <p:cTn id="1" dur="indefinite" restart="never" nodeType="tmRoot">
-          <p:childTnLst>
-            <p:seq concurrent="1" nextAc="seek">
-              <p:cTn id="2" dur="indefinite" nodeType="mainSeq">
-                <p:childTnLst>
-                  <p:par>
-                    <p:cTn id="3" fill="hold">
-                      <p:stCondLst>
-                        <p:cond delay="indefinite"/>
-                      </p:stCondLst>
-                      <p:childTnLst>
-                        <p:par>
-                          <p:cTn id="4" fill="hold">
-                            <p:stCondLst>
-                              <p:cond delay="0"/>
-                            </p:stCondLst>
-                            <p:childTnLst>
-                              <p:par>
-                                <p:cTn id="5" presetID="10" presetClass="entr" presetSubtype="0" fill="hold" grpId="0" nodeType="clickEffect">
-                                  <p:stCondLst>
-                                    <p:cond delay="0"/>
-                                  </p:stCondLst>
-                                  <p:childTnLst>
-                                    <p:set>
-                                      <p:cBhvr>
-                                        <p:cTn id="6" dur="1" fill="hold">
-                                          <p:stCondLst>
-                                            <p:cond delay="0"/>
-                                          </p:stCondLst>
-                                        </p:cTn>
-                                        <p:tgtEl>
-                                          <p:spTgt spid="3">
-                                            <p:txEl>
-                                              <p:pRg st="0" end="0"/>
-                                            </p:txEl>
-                                          </p:spTgt>
-                                        </p:tgtEl>
-                                        <p:attrNameLst>
-                                          <p:attrName>style.visibility</p:attrName>
-                                        </p:attrNameLst>
-                                      </p:cBhvr>
-                                      <p:to>
-                                        <p:strVal val="visible"/>
-                                      </p:to>
-                                    </p:set>
-                                    <p:animEffect transition="in" filter="fade">
-                                      <p:cBhvr>
-                                        <p:cTn id="7" dur="500"/>
-                                        <p:tgtEl>
-                                          <p:spTgt spid="3">
-                                            <p:txEl>
-                                              <p:pRg st="0" end="0"/>
-                                            </p:txEl>
-                                          </p:spTgt>
-                                        </p:tgtEl>
-                                      </p:cBhvr>
-                                    </p:animEffect>
-                                  </p:childTnLst>
-                                  <p:subTnLst>
-                                    <p:animClr clrSpc="rgb" dir="cw">
-                                      <p:cBhvr override="childStyle">
-                                        <p:cTn dur="1" fill="hold" display="0" masterRel="nextClick" afterEffect="1"/>
-                                        <p:tgtEl>
-                                          <p:spTgt spid="3">
-                                            <p:txEl>
-                                              <p:pRg st="0" end="0"/>
-                                            </p:txEl>
-                                          </p:spTgt>
-                                        </p:tgtEl>
-                                        <p:attrNameLst>
-                                          <p:attrName>ppt_c</p:attrName>
-                                        </p:attrNameLst>
-                                      </p:cBhvr>
-                                      <p:to>
-                                        <a:srgbClr val="B2B2B2"/>
-                                      </p:to>
-                                    </p:animClr>
-                                  </p:subTnLst>
-                                </p:cTn>
-                              </p:par>
-                            </p:childTnLst>
-                          </p:cTn>
-                        </p:par>
-                      </p:childTnLst>
-                    </p:cTn>
-                  </p:par>
-                  <p:par>
-                    <p:cTn id="8" fill="hold">
-                      <p:stCondLst>
-                        <p:cond delay="indefinite"/>
-                      </p:stCondLst>
-                      <p:childTnLst>
-                        <p:par>
-                          <p:cTn id="9" fill="hold">
-                            <p:stCondLst>
-                              <p:cond delay="0"/>
-                            </p:stCondLst>
-                            <p:childTnLst>
-                              <p:par>
-                                <p:cTn id="10" presetID="10" presetClass="entr" presetSubtype="0" fill="hold" grpId="0" nodeType="clickEffect">
-                                  <p:stCondLst>
-                                    <p:cond delay="0"/>
-                                  </p:stCondLst>
-                                  <p:childTnLst>
-                                    <p:set>
-                                      <p:cBhvr>
-                                        <p:cTn id="11" dur="1" fill="hold">
-                                          <p:stCondLst>
-                                            <p:cond delay="0"/>
-                                          </p:stCondLst>
-                                        </p:cTn>
-                                        <p:tgtEl>
-                                          <p:spTgt spid="3">
-                                            <p:txEl>
-                                              <p:pRg st="1" end="1"/>
-                                            </p:txEl>
-                                          </p:spTgt>
-                                        </p:tgtEl>
-                                        <p:attrNameLst>
-                                          <p:attrName>style.visibility</p:attrName>
-                                        </p:attrNameLst>
-                                      </p:cBhvr>
-                                      <p:to>
-                                        <p:strVal val="visible"/>
-                                      </p:to>
-                                    </p:set>
-                                    <p:animEffect transition="in" filter="fade">
-                                      <p:cBhvr>
-                                        <p:cTn id="12" dur="500"/>
-                                        <p:tgtEl>
-                                          <p:spTgt spid="3">
-                                            <p:txEl>
-                                              <p:pRg st="1" end="1"/>
-                                            </p:txEl>
-                                          </p:spTgt>
-                                        </p:tgtEl>
-                                      </p:cBhvr>
-                                    </p:animEffect>
-                                  </p:childTnLst>
-                                  <p:subTnLst>
-                                    <p:animClr clrSpc="rgb" dir="cw">
-                                      <p:cBhvr override="childStyle">
-                                        <p:cTn dur="1" fill="hold" display="0" masterRel="nextClick" afterEffect="1"/>
-                                        <p:tgtEl>
-                                          <p:spTgt spid="3">
-                                            <p:txEl>
-                                              <p:pRg st="1" end="1"/>
-                                            </p:txEl>
-                                          </p:spTgt>
-                                        </p:tgtEl>
-                                        <p:attrNameLst>
-                                          <p:attrName>ppt_c</p:attrName>
-                                        </p:attrNameLst>
-                                      </p:cBhvr>
-                                      <p:to>
-                                        <a:srgbClr val="B2B2B2"/>
-                                      </p:to>
-                                    </p:animClr>
-                                  </p:subTnLst>
-                                </p:cTn>
-                              </p:par>
-                            </p:childTnLst>
-                          </p:cTn>
-                        </p:par>
-                      </p:childTnLst>
-                    </p:cTn>
-                  </p:par>
-                  <p:par>
-                    <p:cTn id="13" fill="hold">
-                      <p:stCondLst>
-                        <p:cond delay="indefinite"/>
-                      </p:stCondLst>
-                      <p:childTnLst>
-                        <p:par>
-                          <p:cTn id="14" fill="hold">
-                            <p:stCondLst>
-                              <p:cond delay="0"/>
-                            </p:stCondLst>
-                            <p:childTnLst>
-                              <p:par>
-                                <p:cTn id="15" presetID="10" presetClass="entr" presetSubtype="0" fill="hold" grpId="0" nodeType="clickEffect">
-                                  <p:stCondLst>
-                                    <p:cond delay="0"/>
-                                  </p:stCondLst>
-                                  <p:childTnLst>
-                                    <p:set>
-                                      <p:cBhvr>
-                                        <p:cTn id="16" dur="1" fill="hold">
-                                          <p:stCondLst>
-                                            <p:cond delay="0"/>
-                                          </p:stCondLst>
-                                        </p:cTn>
-                                        <p:tgtEl>
-                                          <p:spTgt spid="3">
-                                            <p:txEl>
-                                              <p:pRg st="2" end="2"/>
-                                            </p:txEl>
-                                          </p:spTgt>
-                                        </p:tgtEl>
-                                        <p:attrNameLst>
-                                          <p:attrName>style.visibility</p:attrName>
-                                        </p:attrNameLst>
-                                      </p:cBhvr>
-                                      <p:to>
-                                        <p:strVal val="visible"/>
-                                      </p:to>
-                                    </p:set>
-                                    <p:animEffect transition="in" filter="fade">
-                                      <p:cBhvr>
-                                        <p:cTn id="17" dur="500"/>
-                                        <p:tgtEl>
-                                          <p:spTgt spid="3">
-                                            <p:txEl>
-                                              <p:pRg st="2" end="2"/>
-                                            </p:txEl>
-                                          </p:spTgt>
-                                        </p:tgtEl>
-                                      </p:cBhvr>
-                                    </p:animEffect>
-                                  </p:childTnLst>
-                                  <p:subTnLst>
-                                    <p:animClr clrSpc="rgb" dir="cw">
-                                      <p:cBhvr override="childStyle">
-                                        <p:cTn dur="1" fill="hold" display="0" masterRel="nextClick" afterEffect="1"/>
-                                        <p:tgtEl>
-                                          <p:spTgt spid="3">
-                                            <p:txEl>
-                                              <p:pRg st="2" end="2"/>
-                                            </p:txEl>
-                                          </p:spTgt>
-                                        </p:tgtEl>
-                                        <p:attrNameLst>
-                                          <p:attrName>ppt_c</p:attrName>
-                                        </p:attrNameLst>
-                                      </p:cBhvr>
-                                      <p:to>
-                                        <a:srgbClr val="B2B2B2"/>
-                                      </p:to>
-                                    </p:animClr>
-                                  </p:subTnLst>
-                                </p:cTn>
-                              </p:par>
-                            </p:childTnLst>
-                          </p:cTn>
-                        </p:par>
-                      </p:childTnLst>
-                    </p:cTn>
-                  </p:par>
-                </p:childTnLst>
-              </p:cTn>
-              <p:prevCondLst>
-                <p:cond evt="onPrev" delay="0">
-                  <p:tgtEl>
-                    <p:sldTgt/>
-                  </p:tgtEl>
-                </p:cond>
-              </p:prevCondLst>
-              <p:nextCondLst>
-                <p:cond evt="onNext" delay="0">
-                  <p:tgtEl>
-                    <p:sldTgt/>
-                  </p:tgtEl>
-                </p:cond>
-              </p:nextCondLst>
-            </p:seq>
-          </p:childTnLst>
-        </p:cTn>
-      </p:par>
-    </p:tnLst>
-    <p:bldLst>
-      <p:bldP spid="3" grpId="0" build="p"/>
-    </p:bldLst>
-  </p:timing>
 </p:sld>
 </file>
 
@@ -16689,7 +16500,7 @@
           <a:p>
             <a:r>
               <a:rPr lang="en-US" dirty="0"/>
-              <a:t>What tools do I use?</a:t>
+              <a:t>Tools you can use</a:t>
             </a:r>
           </a:p>
           <a:p>
@@ -18774,20 +18585,6 @@
           <a:p>
             <a:r>
               <a:rPr lang="en-US" dirty="0"/>
-              <a:t>Used React, </a:t>
-            </a:r>
-            <a:r>
-              <a:rPr lang="en-US" dirty="0" err="1"/>
-              <a:t>Blazor</a:t>
-            </a:r>
-            <a:r>
-              <a:rPr lang="en-US" dirty="0"/>
-              <a:t>, or Angular last 7 years</a:t>
-            </a:r>
-          </a:p>
-          <a:p>
-            <a:r>
-              <a:rPr lang="en-US" dirty="0"/>
               <a:t>Microsoft MVP</a:t>
             </a:r>
           </a:p>
@@ -18812,6 +18609,20 @@
               <a:t>scottsauber.com</a:t>
             </a:r>
             <a:endParaRPr lang="en-US" dirty="0"/>
+          </a:p>
+          <a:p>
+            <a:r>
+              <a:rPr lang="en-US" dirty="0"/>
+              <a:t>Used React, </a:t>
+            </a:r>
+            <a:r>
+              <a:rPr lang="en-US" dirty="0" err="1"/>
+              <a:t>Blazor</a:t>
+            </a:r>
+            <a:r>
+              <a:rPr lang="en-US" dirty="0"/>
+              <a:t>, or Angular last 7 years</a:t>
+            </a:r>
           </a:p>
         </p:txBody>
       </p:sp>
@@ -19407,6 +19218,41 @@
                                   </p:subTnLst>
                                 </p:cTn>
                               </p:par>
+                              <p:par>
+                                <p:cTn id="16" presetID="10" presetClass="entr" presetSubtype="0" fill="hold" nodeType="withEffect">
+                                  <p:stCondLst>
+                                    <p:cond delay="0"/>
+                                  </p:stCondLst>
+                                  <p:childTnLst>
+                                    <p:set>
+                                      <p:cBhvr>
+                                        <p:cTn id="17" dur="1" fill="hold">
+                                          <p:stCondLst>
+                                            <p:cond delay="0"/>
+                                          </p:stCondLst>
+                                        </p:cTn>
+                                        <p:tgtEl>
+                                          <p:spTgt spid="1026"/>
+                                        </p:tgtEl>
+                                        <p:attrNameLst>
+                                          <p:attrName>style.visibility</p:attrName>
+                                        </p:attrNameLst>
+                                      </p:cBhvr>
+                                      <p:to>
+                                        <p:strVal val="visible"/>
+                                      </p:to>
+                                    </p:set>
+                                    <p:animEffect transition="in" filter="fade">
+                                      <p:cBhvr>
+                                        <p:cTn id="18" dur="500"/>
+                                        <p:tgtEl>
+                                          <p:spTgt spid="1026"/>
+                                        </p:tgtEl>
+                                      </p:cBhvr>
+                                    </p:animEffect>
+                                  </p:childTnLst>
+                                </p:cTn>
+                              </p:par>
                             </p:childTnLst>
                           </p:cTn>
                         </p:par>
@@ -19414,26 +19260,26 @@
                     </p:cTn>
                   </p:par>
                   <p:par>
-                    <p:cTn id="16" fill="hold">
+                    <p:cTn id="19" fill="hold">
                       <p:stCondLst>
                         <p:cond delay="indefinite"/>
                       </p:stCondLst>
                       <p:childTnLst>
                         <p:par>
-                          <p:cTn id="17" fill="hold">
+                          <p:cTn id="20" fill="hold">
                             <p:stCondLst>
                               <p:cond delay="0"/>
                             </p:stCondLst>
                             <p:childTnLst>
                               <p:par>
-                                <p:cTn id="18" presetID="10" presetClass="entr" presetSubtype="0" fill="hold" grpId="0" nodeType="clickEffect">
+                                <p:cTn id="21" presetID="10" presetClass="entr" presetSubtype="0" fill="hold" grpId="0" nodeType="clickEffect">
                                   <p:stCondLst>
                                     <p:cond delay="0"/>
                                   </p:stCondLst>
                                   <p:childTnLst>
                                     <p:set>
                                       <p:cBhvr>
-                                        <p:cTn id="19" dur="1" fill="hold">
+                                        <p:cTn id="22" dur="1" fill="hold">
                                           <p:stCondLst>
                                             <p:cond delay="0"/>
                                           </p:stCondLst>
@@ -19455,7 +19301,7 @@
                                     </p:set>
                                     <p:animEffect transition="in" filter="fade">
                                       <p:cBhvr>
-                                        <p:cTn id="20" dur="500"/>
+                                        <p:cTn id="23" dur="500"/>
                                         <p:tgtEl>
                                           <p:spTgt spid="3">
                                             <p:txEl>
@@ -19486,41 +19332,6 @@
                                       </p:to>
                                     </p:animClr>
                                   </p:subTnLst>
-                                </p:cTn>
-                              </p:par>
-                              <p:par>
-                                <p:cTn id="21" presetID="10" presetClass="entr" presetSubtype="0" fill="hold" nodeType="withEffect">
-                                  <p:stCondLst>
-                                    <p:cond delay="0"/>
-                                  </p:stCondLst>
-                                  <p:childTnLst>
-                                    <p:set>
-                                      <p:cBhvr>
-                                        <p:cTn id="22" dur="1" fill="hold">
-                                          <p:stCondLst>
-                                            <p:cond delay="0"/>
-                                          </p:stCondLst>
-                                        </p:cTn>
-                                        <p:tgtEl>
-                                          <p:spTgt spid="1026"/>
-                                        </p:tgtEl>
-                                        <p:attrNameLst>
-                                          <p:attrName>style.visibility</p:attrName>
-                                        </p:attrNameLst>
-                                      </p:cBhvr>
-                                      <p:to>
-                                        <p:strVal val="visible"/>
-                                      </p:to>
-                                    </p:set>
-                                    <p:animEffect transition="in" filter="fade">
-                                      <p:cBhvr>
-                                        <p:cTn id="23" dur="500"/>
-                                        <p:tgtEl>
-                                          <p:spTgt spid="1026"/>
-                                        </p:tgtEl>
-                                      </p:cBhvr>
-                                    </p:animEffect>
-                                  </p:childTnLst>
                                 </p:cTn>
                               </p:par>
                             </p:childTnLst>

--- a/2023-06-22-KCDC-TDDForFrontends/TDD with React.pptx
+++ b/2023-06-22-KCDC-TDDForFrontends/TDD with React.pptx
@@ -6805,13 +6805,8 @@
           <a:p>
             <a:r>
               <a:rPr lang="en-US" dirty="0"/>
-              <a:t>TDD zealots </a:t>
-            </a:r>
-            <a:r>
-              <a:rPr lang="en-US"/>
-              <a:t>are harmful</a:t>
-            </a:r>
-            <a:endParaRPr lang="en-US" dirty="0"/>
+              <a:t>TDD zealots are harmful</a:t>
+            </a:r>
           </a:p>
         </p:txBody>
       </p:sp>
@@ -12965,13 +12960,21 @@
           <a:p>
             <a:r>
               <a:rPr lang="en-US" dirty="0"/>
-              <a:t>Avoid lots of describes – never more than 2</a:t>
-            </a:r>
-          </a:p>
-          <a:p>
+              <a:t>Avoid lots </a:t>
+            </a:r>
+            <a:r>
+              <a:rPr lang="en-US"/>
+              <a:t>of describes</a:t>
+            </a:r>
+          </a:p>
+          <a:p>
+            <a:r>
+              <a:rPr lang="en-US"/>
+              <a:t>Avoid </a:t>
+            </a:r>
             <a:r>
               <a:rPr lang="en-US" dirty="0"/>
-              <a:t>Avoid lots of </a:t>
+              <a:t>lots of </a:t>
             </a:r>
             <a:r>
               <a:rPr lang="en-US" dirty="0" err="1"/>

--- a/2023-06-22-KCDC-TDDForFrontends/TDD with React.pptx
+++ b/2023-06-22-KCDC-TDDForFrontends/TDD with React.pptx
@@ -12960,21 +12960,13 @@
           <a:p>
             <a:r>
               <a:rPr lang="en-US" dirty="0"/>
-              <a:t>Avoid lots </a:t>
-            </a:r>
-            <a:r>
-              <a:rPr lang="en-US"/>
-              <a:t>of describes</a:t>
-            </a:r>
-          </a:p>
-          <a:p>
-            <a:r>
-              <a:rPr lang="en-US"/>
-              <a:t>Avoid </a:t>
-            </a:r>
+              <a:t>Avoid lots of describes</a:t>
+            </a:r>
+          </a:p>
+          <a:p>
             <a:r>
               <a:rPr lang="en-US" dirty="0"/>
-              <a:t>lots of </a:t>
+              <a:t>Avoid lots of </a:t>
             </a:r>
             <a:r>
               <a:rPr lang="en-US" dirty="0" err="1"/>
